--- a/Wavecon Telecom Presentation.pptx
+++ b/Wavecon Telecom Presentation.pptx
@@ -3853,7 +3853,7 @@
           <a:p>
             <a:fld id="{C57327FE-080B-4C6F-8ED6-B873649F4590}" type="datetimeFigureOut">
               <a:rPr lang="en-IN" smtClean="0"/>
-              <a:t>10-07-2024</a:t>
+              <a:t>11-07-2024</a:t>
             </a:fld>
             <a:endParaRPr lang="en-IN"/>
           </a:p>
@@ -4031,7 +4031,7 @@
           <a:p>
             <a:fld id="{7950D867-ABC9-4EA1-B29A-DF1ACF4F46AE}" type="datetimeFigureOut">
               <a:rPr lang="en-IN" smtClean="0"/>
-              <a:t>10-07-2024</a:t>
+              <a:t>11-07-2024</a:t>
             </a:fld>
             <a:endParaRPr lang="en-IN"/>
           </a:p>
@@ -4431,7 +4431,7 @@
           <a:p>
             <a:fld id="{A5C585F6-5063-4DEF-91B5-F4A726E29AED}" type="datetimeFigureOut">
               <a:rPr lang="en-IN" smtClean="0"/>
-              <a:t>10-07-2024</a:t>
+              <a:t>11-07-2024</a:t>
             </a:fld>
             <a:endParaRPr lang="en-IN"/>
           </a:p>
@@ -4601,7 +4601,7 @@
           <a:p>
             <a:fld id="{A5C585F6-5063-4DEF-91B5-F4A726E29AED}" type="datetimeFigureOut">
               <a:rPr lang="en-IN" smtClean="0"/>
-              <a:t>10-07-2024</a:t>
+              <a:t>11-07-2024</a:t>
             </a:fld>
             <a:endParaRPr lang="en-IN"/>
           </a:p>
@@ -4781,7 +4781,7 @@
           <a:p>
             <a:fld id="{A5C585F6-5063-4DEF-91B5-F4A726E29AED}" type="datetimeFigureOut">
               <a:rPr lang="en-IN" smtClean="0"/>
-              <a:t>10-07-2024</a:t>
+              <a:t>11-07-2024</a:t>
             </a:fld>
             <a:endParaRPr lang="en-IN"/>
           </a:p>
@@ -4951,7 +4951,7 @@
           <a:p>
             <a:fld id="{A5C585F6-5063-4DEF-91B5-F4A726E29AED}" type="datetimeFigureOut">
               <a:rPr lang="en-IN" smtClean="0"/>
-              <a:t>10-07-2024</a:t>
+              <a:t>11-07-2024</a:t>
             </a:fld>
             <a:endParaRPr lang="en-IN"/>
           </a:p>
@@ -5197,7 +5197,7 @@
           <a:p>
             <a:fld id="{A5C585F6-5063-4DEF-91B5-F4A726E29AED}" type="datetimeFigureOut">
               <a:rPr lang="en-IN" smtClean="0"/>
-              <a:t>10-07-2024</a:t>
+              <a:t>11-07-2024</a:t>
             </a:fld>
             <a:endParaRPr lang="en-IN"/>
           </a:p>
@@ -5429,7 +5429,7 @@
           <a:p>
             <a:fld id="{A5C585F6-5063-4DEF-91B5-F4A726E29AED}" type="datetimeFigureOut">
               <a:rPr lang="en-IN" smtClean="0"/>
-              <a:t>10-07-2024</a:t>
+              <a:t>11-07-2024</a:t>
             </a:fld>
             <a:endParaRPr lang="en-IN"/>
           </a:p>
@@ -5796,7 +5796,7 @@
           <a:p>
             <a:fld id="{A5C585F6-5063-4DEF-91B5-F4A726E29AED}" type="datetimeFigureOut">
               <a:rPr lang="en-IN" smtClean="0"/>
-              <a:t>10-07-2024</a:t>
+              <a:t>11-07-2024</a:t>
             </a:fld>
             <a:endParaRPr lang="en-IN"/>
           </a:p>
@@ -5914,7 +5914,7 @@
           <a:p>
             <a:fld id="{A5C585F6-5063-4DEF-91B5-F4A726E29AED}" type="datetimeFigureOut">
               <a:rPr lang="en-IN" smtClean="0"/>
-              <a:t>10-07-2024</a:t>
+              <a:t>11-07-2024</a:t>
             </a:fld>
             <a:endParaRPr lang="en-IN"/>
           </a:p>
@@ -6009,7 +6009,7 @@
           <a:p>
             <a:fld id="{A5C585F6-5063-4DEF-91B5-F4A726E29AED}" type="datetimeFigureOut">
               <a:rPr lang="en-IN" smtClean="0"/>
-              <a:t>10-07-2024</a:t>
+              <a:t>11-07-2024</a:t>
             </a:fld>
             <a:endParaRPr lang="en-IN"/>
           </a:p>
@@ -6286,7 +6286,7 @@
           <a:p>
             <a:fld id="{A5C585F6-5063-4DEF-91B5-F4A726E29AED}" type="datetimeFigureOut">
               <a:rPr lang="en-IN" smtClean="0"/>
-              <a:t>10-07-2024</a:t>
+              <a:t>11-07-2024</a:t>
             </a:fld>
             <a:endParaRPr lang="en-IN"/>
           </a:p>
@@ -6543,7 +6543,7 @@
           <a:p>
             <a:fld id="{A5C585F6-5063-4DEF-91B5-F4A726E29AED}" type="datetimeFigureOut">
               <a:rPr lang="en-IN" smtClean="0"/>
-              <a:t>10-07-2024</a:t>
+              <a:t>11-07-2024</a:t>
             </a:fld>
             <a:endParaRPr lang="en-IN"/>
           </a:p>
@@ -6756,7 +6756,7 @@
           <a:p>
             <a:fld id="{A5C585F6-5063-4DEF-91B5-F4A726E29AED}" type="datetimeFigureOut">
               <a:rPr lang="en-IN" smtClean="0"/>
-              <a:t>10-07-2024</a:t>
+              <a:t>11-07-2024</a:t>
             </a:fld>
             <a:endParaRPr lang="en-IN"/>
           </a:p>
@@ -8066,6 +8066,18 @@
   <p:clrMapOvr>
     <a:masterClrMapping/>
   </p:clrMapOvr>
+  <mc:AlternateContent xmlns:mc="http://schemas.openxmlformats.org/markup-compatibility/2006">
+    <mc:Choice xmlns:p159="http://schemas.microsoft.com/office/powerpoint/2015/09/main" Requires="p159">
+      <p:transition xmlns:p14="http://schemas.microsoft.com/office/powerpoint/2010/main" spd="slow" p14:dur="2000">
+        <p159:morph option="byObject"/>
+      </p:transition>
+    </mc:Choice>
+    <mc:Fallback>
+      <p:transition spd="slow">
+        <p:fade/>
+      </p:transition>
+    </mc:Fallback>
+  </mc:AlternateContent>
 </p:sld>
 </file>
 
@@ -8561,6 +8573,18 @@
   <p:clrMapOvr>
     <a:masterClrMapping/>
   </p:clrMapOvr>
+  <mc:AlternateContent xmlns:mc="http://schemas.openxmlformats.org/markup-compatibility/2006">
+    <mc:Choice xmlns:p159="http://schemas.microsoft.com/office/powerpoint/2015/09/main" Requires="p159">
+      <p:transition xmlns:p14="http://schemas.microsoft.com/office/powerpoint/2010/main" spd="slow" p14:dur="2000">
+        <p159:morph option="byObject"/>
+      </p:transition>
+    </mc:Choice>
+    <mc:Fallback>
+      <p:transition spd="slow">
+        <p:fade/>
+      </p:transition>
+    </mc:Fallback>
+  </mc:AlternateContent>
 </p:sld>
 </file>
 
@@ -10673,11 +10697,18 @@
               <a:t>consistently generates the </a:t>
             </a:r>
             <a:r>
+              <a:rPr lang="en-IN" sz="1700" b="1" i="0" u="none" strike="noStrike" baseline="0" dirty="0">
+                <a:latin typeface="Segoe UI" panose="020B0502040204020203" pitchFamily="34" charset="0"/>
+                <a:cs typeface="Segoe UI" panose="020B0502040204020203" pitchFamily="34" charset="0"/>
+              </a:rPr>
+              <a:t>highest revenue</a:t>
+            </a:r>
+            <a:r>
               <a:rPr lang="en-IN" sz="1700" b="0" i="0" u="none" strike="noStrike" baseline="0" dirty="0">
                 <a:latin typeface="Segoe UI" panose="020B0502040204020203" pitchFamily="34" charset="0"/>
                 <a:cs typeface="Segoe UI" panose="020B0502040204020203" pitchFamily="34" charset="0"/>
               </a:rPr>
-              <a:t>highest revenue.</a:t>
+              <a:t>.</a:t>
             </a:r>
           </a:p>
           <a:p>
@@ -12150,7 +12181,7 @@
         <p:spPr>
           <a:xfrm>
             <a:off x="1072934" y="1232968"/>
-            <a:ext cx="7608949" cy="2862322"/>
+            <a:ext cx="7608949" cy="3970318"/>
           </a:xfrm>
           <a:prstGeom prst="rect">
             <a:avLst/>
@@ -12163,7 +12194,7 @@
           </a:bodyPr>
           <a:lstStyle/>
           <a:p>
-            <a:pPr marL="457200" indent="-457200">
+            <a:pPr marL="342900" indent="-342900">
               <a:buFont typeface="+mj-lt"/>
               <a:buAutoNum type="arabicPeriod"/>
             </a:pPr>
@@ -12183,7 +12214,7 @@
             </a:r>
           </a:p>
           <a:p>
-            <a:pPr marL="457200" indent="-457200">
+            <a:pPr marL="342900" indent="-342900">
               <a:buFont typeface="+mj-lt"/>
               <a:buAutoNum type="arabicPeriod"/>
             </a:pPr>
@@ -12192,18 +12223,32 @@
                 <a:latin typeface="Segoe UI" panose="020B0502040204020203" pitchFamily="34" charset="0"/>
                 <a:cs typeface="Segoe UI" panose="020B0502040204020203" pitchFamily="34" charset="0"/>
               </a:rPr>
-              <a:t>Expansion Strategy</a:t>
+              <a:t>Expansion</a:t>
             </a:r>
             <a:r>
               <a:rPr lang="en-US" dirty="0">
                 <a:latin typeface="Segoe UI" panose="020B0502040204020203" pitchFamily="34" charset="0"/>
                 <a:cs typeface="Segoe UI" panose="020B0502040204020203" pitchFamily="34" charset="0"/>
               </a:rPr>
+              <a:t> </a:t>
+            </a:r>
+            <a:r>
+              <a:rPr lang="en-US" b="1" dirty="0">
+                <a:latin typeface="Segoe UI" panose="020B0502040204020203" pitchFamily="34" charset="0"/>
+                <a:cs typeface="Segoe UI" panose="020B0502040204020203" pitchFamily="34" charset="0"/>
+              </a:rPr>
+              <a:t>Strategy</a:t>
+            </a:r>
+            <a:r>
+              <a:rPr lang="en-US" dirty="0">
+                <a:latin typeface="Segoe UI" panose="020B0502040204020203" pitchFamily="34" charset="0"/>
+                <a:cs typeface="Segoe UI" panose="020B0502040204020203" pitchFamily="34" charset="0"/>
+              </a:rPr>
               <a:t>: Expand 5G coverage and invest in infrastructure for broader connectivity.</a:t>
             </a:r>
           </a:p>
           <a:p>
-            <a:pPr marL="457200" indent="-457200">
+            <a:pPr marL="342900" indent="-342900">
               <a:buFont typeface="+mj-lt"/>
               <a:buAutoNum type="arabicPeriod"/>
             </a:pPr>
@@ -12212,18 +12257,32 @@
                 <a:latin typeface="Segoe UI" panose="020B0502040204020203" pitchFamily="34" charset="0"/>
                 <a:cs typeface="Segoe UI" panose="020B0502040204020203" pitchFamily="34" charset="0"/>
               </a:rPr>
-              <a:t>Competitive Pricing</a:t>
+              <a:t>Competitive</a:t>
             </a:r>
             <a:r>
               <a:rPr lang="en-US" dirty="0">
                 <a:latin typeface="Segoe UI" panose="020B0502040204020203" pitchFamily="34" charset="0"/>
                 <a:cs typeface="Segoe UI" panose="020B0502040204020203" pitchFamily="34" charset="0"/>
               </a:rPr>
+              <a:t> </a:t>
+            </a:r>
+            <a:r>
+              <a:rPr lang="en-US" b="1" dirty="0">
+                <a:latin typeface="Segoe UI" panose="020B0502040204020203" pitchFamily="34" charset="0"/>
+                <a:cs typeface="Segoe UI" panose="020B0502040204020203" pitchFamily="34" charset="0"/>
+              </a:rPr>
+              <a:t>Pricing</a:t>
+            </a:r>
+            <a:r>
+              <a:rPr lang="en-US" dirty="0">
+                <a:latin typeface="Segoe UI" panose="020B0502040204020203" pitchFamily="34" charset="0"/>
+                <a:cs typeface="Segoe UI" panose="020B0502040204020203" pitchFamily="34" charset="0"/>
+              </a:rPr>
               <a:t>: Offer transparent and competitive pricing plans to attract and retain customers.</a:t>
             </a:r>
           </a:p>
           <a:p>
-            <a:pPr marL="457200" indent="-457200">
+            <a:pPr marL="342900" indent="-342900">
               <a:buFont typeface="+mj-lt"/>
               <a:buAutoNum type="arabicPeriod"/>
             </a:pPr>
@@ -12232,18 +12291,32 @@
                 <a:latin typeface="Segoe UI" panose="020B0502040204020203" pitchFamily="34" charset="0"/>
                 <a:cs typeface="Segoe UI" panose="020B0502040204020203" pitchFamily="34" charset="0"/>
               </a:rPr>
-              <a:t>Customer Focus</a:t>
+              <a:t>Customer</a:t>
             </a:r>
             <a:r>
               <a:rPr lang="en-US" dirty="0">
                 <a:latin typeface="Segoe UI" panose="020B0502040204020203" pitchFamily="34" charset="0"/>
                 <a:cs typeface="Segoe UI" panose="020B0502040204020203" pitchFamily="34" charset="0"/>
               </a:rPr>
+              <a:t> </a:t>
+            </a:r>
+            <a:r>
+              <a:rPr lang="en-US" b="1" dirty="0">
+                <a:latin typeface="Segoe UI" panose="020B0502040204020203" pitchFamily="34" charset="0"/>
+                <a:cs typeface="Segoe UI" panose="020B0502040204020203" pitchFamily="34" charset="0"/>
+              </a:rPr>
+              <a:t>Focus</a:t>
+            </a:r>
+            <a:r>
+              <a:rPr lang="en-US" dirty="0">
+                <a:latin typeface="Segoe UI" panose="020B0502040204020203" pitchFamily="34" charset="0"/>
+                <a:cs typeface="Segoe UI" panose="020B0502040204020203" pitchFamily="34" charset="0"/>
+              </a:rPr>
               <a:t>: Enhance customer service and support, resolving issues promptly and gathering feedback.</a:t>
             </a:r>
           </a:p>
           <a:p>
-            <a:pPr marL="457200" indent="-457200">
+            <a:pPr marL="342900" indent="-342900">
               <a:buFont typeface="+mj-lt"/>
               <a:buAutoNum type="arabicPeriod"/>
             </a:pPr>
@@ -12252,14 +12325,82 @@
                 <a:latin typeface="Segoe UI" panose="020B0502040204020203" pitchFamily="34" charset="0"/>
                 <a:cs typeface="Segoe UI" panose="020B0502040204020203" pitchFamily="34" charset="0"/>
               </a:rPr>
-              <a:t>Plan Optimization</a:t>
+              <a:t>Plan</a:t>
             </a:r>
             <a:r>
               <a:rPr lang="en-US" dirty="0">
                 <a:latin typeface="Segoe UI" panose="020B0502040204020203" pitchFamily="34" charset="0"/>
                 <a:cs typeface="Segoe UI" panose="020B0502040204020203" pitchFamily="34" charset="0"/>
               </a:rPr>
+              <a:t> </a:t>
+            </a:r>
+            <a:r>
+              <a:rPr lang="en-US" b="1" dirty="0">
+                <a:latin typeface="Segoe UI" panose="020B0502040204020203" pitchFamily="34" charset="0"/>
+                <a:cs typeface="Segoe UI" panose="020B0502040204020203" pitchFamily="34" charset="0"/>
+              </a:rPr>
+              <a:t>Optimization</a:t>
+            </a:r>
+            <a:r>
+              <a:rPr lang="en-US" dirty="0">
+                <a:latin typeface="Segoe UI" panose="020B0502040204020203" pitchFamily="34" charset="0"/>
+                <a:cs typeface="Segoe UI" panose="020B0502040204020203" pitchFamily="34" charset="0"/>
+              </a:rPr>
               <a:t>: Promote top-performing plans and use KPIs for continuous improvement.</a:t>
+            </a:r>
+          </a:p>
+          <a:p>
+            <a:pPr marL="342900" indent="-342900">
+              <a:buFont typeface="+mj-lt"/>
+              <a:buAutoNum type="arabicPeriod"/>
+            </a:pPr>
+            <a:r>
+              <a:rPr lang="en-US" b="1" dirty="0">
+                <a:latin typeface="Segoe UI" panose="020B0502040204020203" pitchFamily="34" charset="0"/>
+                <a:cs typeface="Segoe UI" panose="020B0502040204020203" pitchFamily="34" charset="0"/>
+              </a:rPr>
+              <a:t>Innovative</a:t>
+            </a:r>
+            <a:r>
+              <a:rPr lang="en-US" dirty="0">
+                <a:latin typeface="Segoe UI" panose="020B0502040204020203" pitchFamily="34" charset="0"/>
+                <a:cs typeface="Segoe UI" panose="020B0502040204020203" pitchFamily="34" charset="0"/>
+              </a:rPr>
+              <a:t> </a:t>
+            </a:r>
+            <a:r>
+              <a:rPr lang="en-US" b="1" dirty="0">
+                <a:latin typeface="Segoe UI" panose="020B0502040204020203" pitchFamily="34" charset="0"/>
+                <a:cs typeface="Segoe UI" panose="020B0502040204020203" pitchFamily="34" charset="0"/>
+              </a:rPr>
+              <a:t>Offerings</a:t>
+            </a:r>
+            <a:r>
+              <a:rPr lang="en-US" dirty="0">
+                <a:latin typeface="Segoe UI" panose="020B0502040204020203" pitchFamily="34" charset="0"/>
+                <a:cs typeface="Segoe UI" panose="020B0502040204020203" pitchFamily="34" charset="0"/>
+              </a:rPr>
+              <a:t>: Introduce innovative services/features to differentiate from competitors.</a:t>
+            </a:r>
+          </a:p>
+          <a:p>
+            <a:pPr marL="342900" indent="-342900">
+              <a:buFont typeface="+mj-lt"/>
+              <a:buAutoNum type="arabicPeriod"/>
+            </a:pPr>
+            <a:r>
+              <a:rPr lang="en-US" b="1" dirty="0">
+                <a:latin typeface="Segoe UI" panose="020B0502040204020203" pitchFamily="34" charset="0"/>
+                <a:cs typeface="Segoe UI" panose="020B0502040204020203" pitchFamily="34" charset="0"/>
+              </a:rPr>
+              <a:t>Digital Transformation</a:t>
+            </a:r>
+            <a:r>
+              <a:rPr lang="en-US" dirty="0">
+                <a:latin typeface="Segoe UI" panose="020B0502040204020203" pitchFamily="34" charset="0"/>
+                <a:cs typeface="Segoe UI" panose="020B0502040204020203" pitchFamily="34" charset="0"/>
+              </a:rPr>
+              <a:t>: Embrace digital channels for sales, support, and customer engagement to enhance accessibility and convenience.</a:t>
             </a:r>
           </a:p>
         </p:txBody>
